--- a/python-report.pptx
+++ b/python-report.pptx
@@ -5,28 +5,29 @@
     <p:sldMasterId id="2147483677" r:id="rId1"/>
   </p:sldMasterIdLst>
   <p:notesMasterIdLst>
-    <p:notesMasterId r:id="rId10"/>
+    <p:notesMasterId r:id="rId11"/>
   </p:notesMasterIdLst>
   <p:sldIdLst>
     <p:sldId id="256" r:id="rId2"/>
-    <p:sldId id="258" r:id="rId3"/>
-    <p:sldId id="259" r:id="rId4"/>
+    <p:sldId id="259" r:id="rId3"/>
+    <p:sldId id="258" r:id="rId4"/>
     <p:sldId id="260" r:id="rId5"/>
     <p:sldId id="312" r:id="rId6"/>
     <p:sldId id="266" r:id="rId7"/>
     <p:sldId id="313" r:id="rId8"/>
-    <p:sldId id="315" r:id="rId9"/>
+    <p:sldId id="316" r:id="rId9"/>
+    <p:sldId id="315" r:id="rId10"/>
   </p:sldIdLst>
   <p:sldSz cx="9144000" cy="5143500" type="screen16x9"/>
   <p:notesSz cx="6858000" cy="9144000"/>
   <p:embeddedFontLst>
     <p:embeddedFont>
       <p:font typeface="Anaheim" panose="020B0604020202020204" charset="0"/>
-      <p:regular r:id="rId11"/>
+      <p:regular r:id="rId12"/>
     </p:embeddedFont>
     <p:embeddedFont>
       <p:font typeface="Oranienbaum" panose="02000506080000020003" pitchFamily="2" charset="0"/>
-      <p:regular r:id="rId12"/>
+      <p:regular r:id="rId13"/>
     </p:embeddedFont>
   </p:embeddedFontLst>
   <p:defaultTextStyle>
@@ -827,6 +828,110 @@
   <p:cSld>
     <p:spTree>
       <p:nvGrpSpPr>
+        <p:cNvPr id="1" name="Shape 354"/>
+        <p:cNvGrpSpPr/>
+        <p:nvPr/>
+      </p:nvGrpSpPr>
+      <p:grpSpPr>
+        <a:xfrm>
+          <a:off x="0" y="0"/>
+          <a:ext cx="0" cy="0"/>
+          <a:chOff x="0" y="0"/>
+          <a:chExt cx="0" cy="0"/>
+        </a:xfrm>
+      </p:grpSpPr>
+      <p:sp>
+        <p:nvSpPr>
+          <p:cNvPr id="355" name="Google Shape;355;ge2b3de137c_0_5:notes"/>
+          <p:cNvSpPr>
+            <a:spLocks noGrp="1" noRot="1" noChangeAspect="1"/>
+          </p:cNvSpPr>
+          <p:nvPr>
+            <p:ph type="sldImg" idx="2"/>
+          </p:nvPr>
+        </p:nvSpPr>
+        <p:spPr>
+          <a:xfrm>
+            <a:off x="381000" y="685800"/>
+            <a:ext cx="6096000" cy="3429000"/>
+          </a:xfrm>
+          <a:custGeom>
+            <a:avLst/>
+            <a:gdLst/>
+            <a:ahLst/>
+            <a:cxnLst/>
+            <a:rect l="l" t="t" r="r" b="b"/>
+            <a:pathLst>
+              <a:path w="120000" h="120000" extrusionOk="0">
+                <a:moveTo>
+                  <a:pt x="0" y="0"/>
+                </a:moveTo>
+                <a:lnTo>
+                  <a:pt x="120000" y="0"/>
+                </a:lnTo>
+                <a:lnTo>
+                  <a:pt x="120000" y="120000"/>
+                </a:lnTo>
+                <a:lnTo>
+                  <a:pt x="0" y="120000"/>
+                </a:lnTo>
+                <a:close/>
+              </a:path>
+            </a:pathLst>
+          </a:custGeom>
+        </p:spPr>
+      </p:sp>
+      <p:sp>
+        <p:nvSpPr>
+          <p:cNvPr id="356" name="Google Shape;356;ge2b3de137c_0_5:notes"/>
+          <p:cNvSpPr txBox="1">
+            <a:spLocks noGrp="1"/>
+          </p:cNvSpPr>
+          <p:nvPr>
+            <p:ph type="body" idx="1"/>
+          </p:nvPr>
+        </p:nvSpPr>
+        <p:spPr>
+          <a:xfrm>
+            <a:off x="685800" y="4343400"/>
+            <a:ext cx="5486400" cy="4114800"/>
+          </a:xfrm>
+          <a:prstGeom prst="rect">
+            <a:avLst/>
+          </a:prstGeom>
+        </p:spPr>
+        <p:txBody>
+          <a:bodyPr spcFirstLastPara="1" wrap="square" lIns="91425" tIns="91425" rIns="91425" bIns="91425" anchor="t" anchorCtr="0">
+            <a:noAutofit/>
+          </a:bodyPr>
+          <a:lstStyle/>
+          <a:p>
+            <a:pPr marL="0" lvl="0" indent="0" algn="l" rtl="0">
+              <a:spcBef>
+                <a:spcPts val="0"/>
+              </a:spcBef>
+              <a:spcAft>
+                <a:spcPts val="0"/>
+              </a:spcAft>
+              <a:buNone/>
+            </a:pPr>
+            <a:endParaRPr/>
+          </a:p>
+        </p:txBody>
+      </p:sp>
+    </p:spTree>
+  </p:cSld>
+  <p:clrMapOvr>
+    <a:masterClrMapping/>
+  </p:clrMapOvr>
+</p:notes>
+</file>
+
+<file path=ppt/notesSlides/notesSlide3.xml><?xml version="1.0" encoding="utf-8"?>
+<p:notes xmlns:a="http://schemas.openxmlformats.org/drawingml/2006/main" xmlns:r="http://schemas.openxmlformats.org/officeDocument/2006/relationships" xmlns:p="http://schemas.openxmlformats.org/presentationml/2006/main" showMasterSp="0" showMasterPhAnim="0">
+  <p:cSld>
+    <p:spTree>
+      <p:nvGrpSpPr>
         <p:cNvPr id="1" name="Shape 335"/>
         <p:cNvGrpSpPr/>
         <p:nvPr/>
@@ -883,110 +988,6 @@
       <p:sp>
         <p:nvSpPr>
           <p:cNvPr id="337" name="Google Shape;337;ge35c3613c9_0_35:notes"/>
-          <p:cNvSpPr txBox="1">
-            <a:spLocks noGrp="1"/>
-          </p:cNvSpPr>
-          <p:nvPr>
-            <p:ph type="body" idx="1"/>
-          </p:nvPr>
-        </p:nvSpPr>
-        <p:spPr>
-          <a:xfrm>
-            <a:off x="685800" y="4343400"/>
-            <a:ext cx="5486400" cy="4114800"/>
-          </a:xfrm>
-          <a:prstGeom prst="rect">
-            <a:avLst/>
-          </a:prstGeom>
-        </p:spPr>
-        <p:txBody>
-          <a:bodyPr spcFirstLastPara="1" wrap="square" lIns="91425" tIns="91425" rIns="91425" bIns="91425" anchor="t" anchorCtr="0">
-            <a:noAutofit/>
-          </a:bodyPr>
-          <a:lstStyle/>
-          <a:p>
-            <a:pPr marL="0" lvl="0" indent="0" algn="l" rtl="0">
-              <a:spcBef>
-                <a:spcPts val="0"/>
-              </a:spcBef>
-              <a:spcAft>
-                <a:spcPts val="0"/>
-              </a:spcAft>
-              <a:buNone/>
-            </a:pPr>
-            <a:endParaRPr/>
-          </a:p>
-        </p:txBody>
-      </p:sp>
-    </p:spTree>
-  </p:cSld>
-  <p:clrMapOvr>
-    <a:masterClrMapping/>
-  </p:clrMapOvr>
-</p:notes>
-</file>
-
-<file path=ppt/notesSlides/notesSlide3.xml><?xml version="1.0" encoding="utf-8"?>
-<p:notes xmlns:a="http://schemas.openxmlformats.org/drawingml/2006/main" xmlns:r="http://schemas.openxmlformats.org/officeDocument/2006/relationships" xmlns:p="http://schemas.openxmlformats.org/presentationml/2006/main" showMasterSp="0" showMasterPhAnim="0">
-  <p:cSld>
-    <p:spTree>
-      <p:nvGrpSpPr>
-        <p:cNvPr id="1" name="Shape 354"/>
-        <p:cNvGrpSpPr/>
-        <p:nvPr/>
-      </p:nvGrpSpPr>
-      <p:grpSpPr>
-        <a:xfrm>
-          <a:off x="0" y="0"/>
-          <a:ext cx="0" cy="0"/>
-          <a:chOff x="0" y="0"/>
-          <a:chExt cx="0" cy="0"/>
-        </a:xfrm>
-      </p:grpSpPr>
-      <p:sp>
-        <p:nvSpPr>
-          <p:cNvPr id="355" name="Google Shape;355;ge2b3de137c_0_5:notes"/>
-          <p:cNvSpPr>
-            <a:spLocks noGrp="1" noRot="1" noChangeAspect="1"/>
-          </p:cNvSpPr>
-          <p:nvPr>
-            <p:ph type="sldImg" idx="2"/>
-          </p:nvPr>
-        </p:nvSpPr>
-        <p:spPr>
-          <a:xfrm>
-            <a:off x="381000" y="685800"/>
-            <a:ext cx="6096000" cy="3429000"/>
-          </a:xfrm>
-          <a:custGeom>
-            <a:avLst/>
-            <a:gdLst/>
-            <a:ahLst/>
-            <a:cxnLst/>
-            <a:rect l="l" t="t" r="r" b="b"/>
-            <a:pathLst>
-              <a:path w="120000" h="120000" extrusionOk="0">
-                <a:moveTo>
-                  <a:pt x="0" y="0"/>
-                </a:moveTo>
-                <a:lnTo>
-                  <a:pt x="120000" y="0"/>
-                </a:lnTo>
-                <a:lnTo>
-                  <a:pt x="120000" y="120000"/>
-                </a:lnTo>
-                <a:lnTo>
-                  <a:pt x="0" y="120000"/>
-                </a:lnTo>
-                <a:close/>
-              </a:path>
-            </a:pathLst>
-          </a:custGeom>
-        </p:spPr>
-      </p:sp>
-      <p:sp>
-        <p:nvSpPr>
-          <p:cNvPr id="356" name="Google Shape;356;ge2b3de137c_0_5:notes"/>
           <p:cNvSpPr txBox="1">
             <a:spLocks noGrp="1"/>
           </p:cNvSpPr>
@@ -1457,6 +1458,115 @@
 </file>
 
 <file path=ppt/notesSlides/notesSlide8.xml><?xml version="1.0" encoding="utf-8"?>
+<p:notes xmlns:a="http://schemas.openxmlformats.org/drawingml/2006/main" xmlns:r="http://schemas.openxmlformats.org/officeDocument/2006/relationships" xmlns:p="http://schemas.openxmlformats.org/presentationml/2006/main" showMasterSp="0" showMasterPhAnim="0">
+  <p:cSld>
+    <p:spTree>
+      <p:nvGrpSpPr>
+        <p:cNvPr id="1" name="Shape 360"/>
+        <p:cNvGrpSpPr/>
+        <p:nvPr/>
+      </p:nvGrpSpPr>
+      <p:grpSpPr>
+        <a:xfrm>
+          <a:off x="0" y="0"/>
+          <a:ext cx="0" cy="0"/>
+          <a:chOff x="0" y="0"/>
+          <a:chExt cx="0" cy="0"/>
+        </a:xfrm>
+      </p:grpSpPr>
+      <p:sp>
+        <p:nvSpPr>
+          <p:cNvPr id="361" name="Google Shape;361;ge35c3613c9_0_6:notes"/>
+          <p:cNvSpPr>
+            <a:spLocks noGrp="1" noRot="1" noChangeAspect="1"/>
+          </p:cNvSpPr>
+          <p:nvPr>
+            <p:ph type="sldImg" idx="2"/>
+          </p:nvPr>
+        </p:nvSpPr>
+        <p:spPr>
+          <a:xfrm>
+            <a:off x="381000" y="685800"/>
+            <a:ext cx="6096000" cy="3429000"/>
+          </a:xfrm>
+          <a:custGeom>
+            <a:avLst/>
+            <a:gdLst/>
+            <a:ahLst/>
+            <a:cxnLst/>
+            <a:rect l="l" t="t" r="r" b="b"/>
+            <a:pathLst>
+              <a:path w="120000" h="120000" extrusionOk="0">
+                <a:moveTo>
+                  <a:pt x="0" y="0"/>
+                </a:moveTo>
+                <a:lnTo>
+                  <a:pt x="120000" y="0"/>
+                </a:lnTo>
+                <a:lnTo>
+                  <a:pt x="120000" y="120000"/>
+                </a:lnTo>
+                <a:lnTo>
+                  <a:pt x="0" y="120000"/>
+                </a:lnTo>
+                <a:close/>
+              </a:path>
+            </a:pathLst>
+          </a:custGeom>
+        </p:spPr>
+      </p:sp>
+      <p:sp>
+        <p:nvSpPr>
+          <p:cNvPr id="362" name="Google Shape;362;ge35c3613c9_0_6:notes"/>
+          <p:cNvSpPr txBox="1">
+            <a:spLocks noGrp="1"/>
+          </p:cNvSpPr>
+          <p:nvPr>
+            <p:ph type="body" idx="1"/>
+          </p:nvPr>
+        </p:nvSpPr>
+        <p:spPr>
+          <a:xfrm>
+            <a:off x="685800" y="4343400"/>
+            <a:ext cx="5486400" cy="4114800"/>
+          </a:xfrm>
+          <a:prstGeom prst="rect">
+            <a:avLst/>
+          </a:prstGeom>
+        </p:spPr>
+        <p:txBody>
+          <a:bodyPr spcFirstLastPara="1" wrap="square" lIns="91425" tIns="91425" rIns="91425" bIns="91425" anchor="t" anchorCtr="0">
+            <a:noAutofit/>
+          </a:bodyPr>
+          <a:lstStyle/>
+          <a:p>
+            <a:pPr marL="0" lvl="0" indent="0" algn="l" rtl="0">
+              <a:spcBef>
+                <a:spcPts val="0"/>
+              </a:spcBef>
+              <a:spcAft>
+                <a:spcPts val="0"/>
+              </a:spcAft>
+              <a:buNone/>
+            </a:pPr>
+            <a:endParaRPr/>
+          </a:p>
+        </p:txBody>
+      </p:sp>
+    </p:spTree>
+    <p:extLst>
+      <p:ext uri="{BB962C8B-B14F-4D97-AF65-F5344CB8AC3E}">
+        <p14:creationId xmlns:p14="http://schemas.microsoft.com/office/powerpoint/2010/main" val="3197592216"/>
+      </p:ext>
+    </p:extLst>
+  </p:cSld>
+  <p:clrMapOvr>
+    <a:masterClrMapping/>
+  </p:clrMapOvr>
+</p:notes>
+</file>
+
+<file path=ppt/notesSlides/notesSlide9.xml><?xml version="1.0" encoding="utf-8"?>
 <p:notes xmlns:a="http://schemas.openxmlformats.org/drawingml/2006/main" xmlns:r="http://schemas.openxmlformats.org/officeDocument/2006/relationships" xmlns:p="http://schemas.openxmlformats.org/presentationml/2006/main" showMasterSp="0" showMasterPhAnim="0">
   <p:cSld>
     <p:spTree>
@@ -19768,48 +19878,6 @@
       </p:sp>
       <p:sp>
         <p:nvSpPr>
-          <p:cNvPr id="319" name="Google Shape;319;p32"/>
-          <p:cNvSpPr txBox="1">
-            <a:spLocks noGrp="1"/>
-          </p:cNvSpPr>
-          <p:nvPr>
-            <p:ph type="subTitle" idx="1"/>
-          </p:nvPr>
-        </p:nvSpPr>
-        <p:spPr>
-          <a:xfrm>
-            <a:off x="2274425" y="3461900"/>
-            <a:ext cx="4595100" cy="500700"/>
-          </a:xfrm>
-          <a:prstGeom prst="rect">
-            <a:avLst/>
-          </a:prstGeom>
-        </p:spPr>
-        <p:txBody>
-          <a:bodyPr spcFirstLastPara="1" wrap="square" lIns="91425" tIns="91425" rIns="91425" bIns="91425" anchor="t" anchorCtr="0">
-            <a:noAutofit/>
-          </a:bodyPr>
-          <a:lstStyle/>
-          <a:p>
-            <a:pPr marL="0" lvl="0" indent="0" algn="ctr" rtl="0">
-              <a:spcBef>
-                <a:spcPts val="0"/>
-              </a:spcBef>
-              <a:spcAft>
-                <a:spcPts val="0"/>
-              </a:spcAft>
-              <a:buNone/>
-            </a:pPr>
-            <a:r>
-              <a:rPr lang="en"/>
-              <a:t>Here is where your presentation begins</a:t>
-            </a:r>
-            <a:endParaRPr/>
-          </a:p>
-        </p:txBody>
-      </p:sp>
-      <p:sp>
-        <p:nvSpPr>
           <p:cNvPr id="320" name="Google Shape;320;p32"/>
           <p:cNvSpPr/>
           <p:nvPr/>
@@ -20048,696 +20116,45 @@
           </a:p>
         </p:txBody>
       </p:sp>
-    </p:spTree>
-  </p:cSld>
-  <p:clrMapOvr>
-    <a:masterClrMapping/>
-  </p:clrMapOvr>
-</p:sld>
-</file>
-
-<file path=ppt/slides/slide2.xml><?xml version="1.0" encoding="utf-8"?>
-<p:sld xmlns:a="http://schemas.openxmlformats.org/drawingml/2006/main" xmlns:r="http://schemas.openxmlformats.org/officeDocument/2006/relationships" xmlns:p="http://schemas.openxmlformats.org/presentationml/2006/main">
-  <p:cSld>
-    <p:spTree>
-      <p:nvGrpSpPr>
-        <p:cNvPr id="1" name="Shape 338"/>
-        <p:cNvGrpSpPr/>
-        <p:nvPr/>
-      </p:nvGrpSpPr>
-      <p:grpSpPr>
-        <a:xfrm>
-          <a:off x="0" y="0"/>
-          <a:ext cx="0" cy="0"/>
-          <a:chOff x="0" y="0"/>
-          <a:chExt cx="0" cy="0"/>
-        </a:xfrm>
-      </p:grpSpPr>
       <p:sp>
         <p:nvSpPr>
-          <p:cNvPr id="339" name="Google Shape;339;p34"/>
-          <p:cNvSpPr txBox="1">
-            <a:spLocks noGrp="1"/>
-          </p:cNvSpPr>
-          <p:nvPr>
-            <p:ph type="title"/>
-          </p:nvPr>
+          <p:cNvPr id="2" name="TextBox 1">
+            <a:extLst>
+              <a:ext uri="{FF2B5EF4-FFF2-40B4-BE49-F238E27FC236}">
+                <a16:creationId xmlns:a16="http://schemas.microsoft.com/office/drawing/2014/main" id="{5E73D44F-B8D0-FC7E-56D1-678FC8A8B68E}"/>
+              </a:ext>
+            </a:extLst>
+          </p:cNvPr>
+          <p:cNvSpPr txBox="1"/>
+          <p:nvPr/>
         </p:nvSpPr>
         <p:spPr>
           <a:xfrm>
-            <a:off x="720000" y="445025"/>
-            <a:ext cx="7704000" cy="572700"/>
+            <a:off x="4304686" y="4561700"/>
+            <a:ext cx="498088" cy="307777"/>
           </a:xfrm>
           <a:prstGeom prst="rect">
             <a:avLst/>
           </a:prstGeom>
+          <a:noFill/>
         </p:spPr>
         <p:txBody>
-          <a:bodyPr spcFirstLastPara="1" wrap="square" lIns="91425" tIns="91425" rIns="91425" bIns="91425" anchor="t" anchorCtr="0">
-            <a:noAutofit/>
+          <a:bodyPr wrap="square" rtlCol="0">
+            <a:spAutoFit/>
           </a:bodyPr>
           <a:lstStyle/>
           <a:p>
-            <a:pPr marL="0" lvl="0" indent="0" algn="ctr" rtl="0">
-              <a:spcBef>
-                <a:spcPts val="0"/>
-              </a:spcBef>
-              <a:spcAft>
-                <a:spcPts val="0"/>
-              </a:spcAft>
-              <a:buNone/>
-            </a:pPr>
+            <a:pPr algn="ctr"/>
             <a:r>
-              <a:rPr lang="en"/>
-              <a:t>TABLE OF CONTENTS</a:t>
-            </a:r>
-            <a:endParaRPr/>
-          </a:p>
-        </p:txBody>
-      </p:sp>
-      <p:sp>
-        <p:nvSpPr>
-          <p:cNvPr id="340" name="Google Shape;340;p34"/>
-          <p:cNvSpPr txBox="1">
-            <a:spLocks noGrp="1"/>
-          </p:cNvSpPr>
-          <p:nvPr>
-            <p:ph type="subTitle" idx="1"/>
-          </p:nvPr>
-        </p:nvSpPr>
-        <p:spPr>
-          <a:xfrm>
-            <a:off x="1932788" y="2245250"/>
-            <a:ext cx="2490300" cy="534600"/>
-          </a:xfrm>
-          <a:prstGeom prst="rect">
-            <a:avLst/>
-          </a:prstGeom>
-        </p:spPr>
-        <p:txBody>
-          <a:bodyPr spcFirstLastPara="1" wrap="square" lIns="91425" tIns="91425" rIns="91425" bIns="91425" anchor="b" anchorCtr="0">
-            <a:noAutofit/>
-          </a:bodyPr>
-          <a:lstStyle/>
-          <a:p>
-            <a:pPr marL="0" lvl="0" indent="0" algn="l" rtl="0">
-              <a:spcBef>
-                <a:spcPts val="0"/>
-              </a:spcBef>
-              <a:spcAft>
-                <a:spcPts val="0"/>
-              </a:spcAft>
-              <a:buNone/>
-            </a:pPr>
-            <a:r>
-              <a:rPr lang="en" dirty="0">
+              <a:rPr lang="en-US" dirty="0">
+                <a:solidFill>
+                  <a:schemeClr val="tx1"/>
+                </a:solidFill>
                 <a:latin typeface="Times New Roman" panose="02020603050405020304" pitchFamily="18" charset="0"/>
                 <a:cs typeface="Times New Roman" panose="02020603050405020304" pitchFamily="18" charset="0"/>
               </a:rPr>
-              <a:t>Giới thiệu đề tài, tóm tắt bài toán</a:t>
+              <a:t>1</a:t>
             </a:r>
-            <a:endParaRPr dirty="0">
-              <a:latin typeface="Times New Roman" panose="02020603050405020304" pitchFamily="18" charset="0"/>
-              <a:cs typeface="Times New Roman" panose="02020603050405020304" pitchFamily="18" charset="0"/>
-            </a:endParaRPr>
-          </a:p>
-        </p:txBody>
-      </p:sp>
-      <p:sp>
-        <p:nvSpPr>
-          <p:cNvPr id="341" name="Google Shape;341;p34"/>
-          <p:cNvSpPr txBox="1">
-            <a:spLocks noGrp="1"/>
-          </p:cNvSpPr>
-          <p:nvPr>
-            <p:ph type="title" idx="2"/>
-          </p:nvPr>
-        </p:nvSpPr>
-        <p:spPr>
-          <a:xfrm>
-            <a:off x="780188" y="1634450"/>
-            <a:ext cx="1152600" cy="1074000"/>
-          </a:xfrm>
-          <a:prstGeom prst="rect">
-            <a:avLst/>
-          </a:prstGeom>
-        </p:spPr>
-        <p:txBody>
-          <a:bodyPr spcFirstLastPara="1" wrap="square" lIns="91425" tIns="91425" rIns="91425" bIns="91425" anchor="b" anchorCtr="0">
-            <a:noAutofit/>
-          </a:bodyPr>
-          <a:lstStyle/>
-          <a:p>
-            <a:pPr marL="0" lvl="0" indent="0" algn="ctr" rtl="0">
-              <a:spcBef>
-                <a:spcPts val="0"/>
-              </a:spcBef>
-              <a:spcAft>
-                <a:spcPts val="0"/>
-              </a:spcAft>
-              <a:buNone/>
-            </a:pPr>
-            <a:r>
-              <a:rPr lang="en"/>
-              <a:t>01</a:t>
-            </a:r>
-            <a:endParaRPr/>
-          </a:p>
-        </p:txBody>
-      </p:sp>
-      <p:sp>
-        <p:nvSpPr>
-          <p:cNvPr id="342" name="Google Shape;342;p34"/>
-          <p:cNvSpPr txBox="1">
-            <a:spLocks noGrp="1"/>
-          </p:cNvSpPr>
-          <p:nvPr>
-            <p:ph type="subTitle" idx="3"/>
-          </p:nvPr>
-        </p:nvSpPr>
-        <p:spPr>
-          <a:xfrm>
-            <a:off x="1932788" y="1710650"/>
-            <a:ext cx="2490300" cy="534600"/>
-          </a:xfrm>
-          <a:prstGeom prst="rect">
-            <a:avLst/>
-          </a:prstGeom>
-        </p:spPr>
-        <p:txBody>
-          <a:bodyPr spcFirstLastPara="1" wrap="square" lIns="91425" tIns="91425" rIns="91425" bIns="91425" anchor="b" anchorCtr="0">
-            <a:noAutofit/>
-          </a:bodyPr>
-          <a:lstStyle/>
-          <a:p>
-            <a:pPr marL="0" lvl="0" indent="0" algn="l" rtl="0">
-              <a:spcBef>
-                <a:spcPts val="0"/>
-              </a:spcBef>
-              <a:spcAft>
-                <a:spcPts val="0"/>
-              </a:spcAft>
-              <a:buNone/>
-            </a:pPr>
-            <a:r>
-              <a:rPr lang="en" sz="2500" dirty="0">
-                <a:latin typeface="+mj-lt"/>
-                <a:cs typeface="Times New Roman" panose="02020603050405020304" pitchFamily="18" charset="0"/>
-              </a:rPr>
-              <a:t>GIỚI THIỆU</a:t>
-            </a:r>
-            <a:endParaRPr sz="2500" dirty="0">
-              <a:latin typeface="+mj-lt"/>
-              <a:cs typeface="Times New Roman" panose="02020603050405020304" pitchFamily="18" charset="0"/>
-            </a:endParaRPr>
-          </a:p>
-        </p:txBody>
-      </p:sp>
-      <p:sp>
-        <p:nvSpPr>
-          <p:cNvPr id="343" name="Google Shape;343;p34"/>
-          <p:cNvSpPr txBox="1">
-            <a:spLocks noGrp="1"/>
-          </p:cNvSpPr>
-          <p:nvPr>
-            <p:ph type="title" idx="4"/>
-          </p:nvPr>
-        </p:nvSpPr>
-        <p:spPr>
-          <a:xfrm>
-            <a:off x="4720913" y="1634450"/>
-            <a:ext cx="1152600" cy="1074000"/>
-          </a:xfrm>
-          <a:prstGeom prst="rect">
-            <a:avLst/>
-          </a:prstGeom>
-        </p:spPr>
-        <p:txBody>
-          <a:bodyPr spcFirstLastPara="1" wrap="square" lIns="91425" tIns="91425" rIns="91425" bIns="91425" anchor="b" anchorCtr="0">
-            <a:noAutofit/>
-          </a:bodyPr>
-          <a:lstStyle/>
-          <a:p>
-            <a:pPr marL="0" lvl="0" indent="0" algn="ctr" rtl="0">
-              <a:spcBef>
-                <a:spcPts val="0"/>
-              </a:spcBef>
-              <a:spcAft>
-                <a:spcPts val="0"/>
-              </a:spcAft>
-              <a:buNone/>
-            </a:pPr>
-            <a:r>
-              <a:rPr lang="en"/>
-              <a:t>02</a:t>
-            </a:r>
-            <a:endParaRPr/>
-          </a:p>
-        </p:txBody>
-      </p:sp>
-      <p:sp>
-        <p:nvSpPr>
-          <p:cNvPr id="344" name="Google Shape;344;p34"/>
-          <p:cNvSpPr txBox="1">
-            <a:spLocks noGrp="1"/>
-          </p:cNvSpPr>
-          <p:nvPr>
-            <p:ph type="subTitle" idx="5"/>
-          </p:nvPr>
-        </p:nvSpPr>
-        <p:spPr>
-          <a:xfrm>
-            <a:off x="5873513" y="2245250"/>
-            <a:ext cx="2490300" cy="534600"/>
-          </a:xfrm>
-          <a:prstGeom prst="rect">
-            <a:avLst/>
-          </a:prstGeom>
-        </p:spPr>
-        <p:txBody>
-          <a:bodyPr spcFirstLastPara="1" wrap="square" lIns="91425" tIns="91425" rIns="91425" bIns="91425" anchor="b" anchorCtr="0">
-            <a:noAutofit/>
-          </a:bodyPr>
-          <a:lstStyle/>
-          <a:p>
-            <a:pPr marL="0" lvl="0" indent="0" algn="l" rtl="0">
-              <a:spcBef>
-                <a:spcPts val="0"/>
-              </a:spcBef>
-              <a:spcAft>
-                <a:spcPts val="0"/>
-              </a:spcAft>
-              <a:buNone/>
-            </a:pPr>
-            <a:r>
-              <a:rPr lang="en" dirty="0">
-                <a:latin typeface="Times New Roman" panose="02020603050405020304" pitchFamily="18" charset="0"/>
-                <a:cs typeface="Times New Roman" panose="02020603050405020304" pitchFamily="18" charset="0"/>
-              </a:rPr>
-              <a:t>Các phương pháp áp dụng trong đồ án</a:t>
-            </a:r>
-            <a:endParaRPr dirty="0">
-              <a:latin typeface="Times New Roman" panose="02020603050405020304" pitchFamily="18" charset="0"/>
-              <a:cs typeface="Times New Roman" panose="02020603050405020304" pitchFamily="18" charset="0"/>
-            </a:endParaRPr>
-          </a:p>
-        </p:txBody>
-      </p:sp>
-      <p:sp>
-        <p:nvSpPr>
-          <p:cNvPr id="345" name="Google Shape;345;p34"/>
-          <p:cNvSpPr txBox="1">
-            <a:spLocks noGrp="1"/>
-          </p:cNvSpPr>
-          <p:nvPr>
-            <p:ph type="subTitle" idx="6"/>
-          </p:nvPr>
-        </p:nvSpPr>
-        <p:spPr>
-          <a:xfrm>
-            <a:off x="5873513" y="1710650"/>
-            <a:ext cx="2705492" cy="534600"/>
-          </a:xfrm>
-          <a:prstGeom prst="rect">
-            <a:avLst/>
-          </a:prstGeom>
-        </p:spPr>
-        <p:txBody>
-          <a:bodyPr spcFirstLastPara="1" wrap="square" lIns="91425" tIns="91425" rIns="91425" bIns="91425" anchor="b" anchorCtr="0">
-            <a:noAutofit/>
-          </a:bodyPr>
-          <a:lstStyle/>
-          <a:p>
-            <a:pPr marL="0" lvl="0" indent="0" algn="l" rtl="0">
-              <a:spcBef>
-                <a:spcPts val="0"/>
-              </a:spcBef>
-              <a:spcAft>
-                <a:spcPts val="0"/>
-              </a:spcAft>
-              <a:buNone/>
-            </a:pPr>
-            <a:r>
-              <a:rPr lang="en" sz="2500" dirty="0">
-                <a:latin typeface="Times New Roman" panose="02020603050405020304" pitchFamily="18" charset="0"/>
-                <a:cs typeface="Times New Roman" panose="02020603050405020304" pitchFamily="18" charset="0"/>
-              </a:rPr>
-              <a:t> PHƯƠNG PHÁP</a:t>
-            </a:r>
-            <a:endParaRPr sz="2500" dirty="0">
-              <a:latin typeface="Times New Roman" panose="02020603050405020304" pitchFamily="18" charset="0"/>
-              <a:cs typeface="Times New Roman" panose="02020603050405020304" pitchFamily="18" charset="0"/>
-            </a:endParaRPr>
-          </a:p>
-        </p:txBody>
-      </p:sp>
-      <p:sp>
-        <p:nvSpPr>
-          <p:cNvPr id="346" name="Google Shape;346;p34"/>
-          <p:cNvSpPr txBox="1">
-            <a:spLocks noGrp="1"/>
-          </p:cNvSpPr>
-          <p:nvPr>
-            <p:ph type="title" idx="7"/>
-          </p:nvPr>
-        </p:nvSpPr>
-        <p:spPr>
-          <a:xfrm>
-            <a:off x="780188" y="3095650"/>
-            <a:ext cx="1152600" cy="1074000"/>
-          </a:xfrm>
-          <a:prstGeom prst="rect">
-            <a:avLst/>
-          </a:prstGeom>
-        </p:spPr>
-        <p:txBody>
-          <a:bodyPr spcFirstLastPara="1" wrap="square" lIns="91425" tIns="91425" rIns="91425" bIns="91425" anchor="b" anchorCtr="0">
-            <a:noAutofit/>
-          </a:bodyPr>
-          <a:lstStyle/>
-          <a:p>
-            <a:pPr marL="0" lvl="0" indent="0" algn="ctr" rtl="0">
-              <a:spcBef>
-                <a:spcPts val="0"/>
-              </a:spcBef>
-              <a:spcAft>
-                <a:spcPts val="0"/>
-              </a:spcAft>
-              <a:buNone/>
-            </a:pPr>
-            <a:r>
-              <a:rPr lang="en"/>
-              <a:t>03</a:t>
-            </a:r>
-            <a:endParaRPr/>
-          </a:p>
-        </p:txBody>
-      </p:sp>
-      <p:sp>
-        <p:nvSpPr>
-          <p:cNvPr id="347" name="Google Shape;347;p34"/>
-          <p:cNvSpPr txBox="1">
-            <a:spLocks noGrp="1"/>
-          </p:cNvSpPr>
-          <p:nvPr>
-            <p:ph type="subTitle" idx="8"/>
-          </p:nvPr>
-        </p:nvSpPr>
-        <p:spPr>
-          <a:xfrm>
-            <a:off x="1932788" y="3706450"/>
-            <a:ext cx="2490300" cy="534600"/>
-          </a:xfrm>
-          <a:prstGeom prst="rect">
-            <a:avLst/>
-          </a:prstGeom>
-        </p:spPr>
-        <p:txBody>
-          <a:bodyPr spcFirstLastPara="1" wrap="square" lIns="91425" tIns="91425" rIns="91425" bIns="91425" anchor="b" anchorCtr="0">
-            <a:noAutofit/>
-          </a:bodyPr>
-          <a:lstStyle/>
-          <a:p>
-            <a:pPr marL="0" lvl="0" indent="0" algn="l" rtl="0">
-              <a:spcBef>
-                <a:spcPts val="0"/>
-              </a:spcBef>
-              <a:spcAft>
-                <a:spcPts val="0"/>
-              </a:spcAft>
-              <a:buNone/>
-            </a:pPr>
-            <a:r>
-              <a:rPr lang="en" dirty="0">
-                <a:latin typeface="Times New Roman" panose="02020603050405020304" pitchFamily="18" charset="0"/>
-                <a:cs typeface="Times New Roman" panose="02020603050405020304" pitchFamily="18" charset="0"/>
-              </a:rPr>
-              <a:t>Tóm gọn kết quả đã thực hiện được</a:t>
-            </a:r>
-            <a:endParaRPr dirty="0">
-              <a:latin typeface="Times New Roman" panose="02020603050405020304" pitchFamily="18" charset="0"/>
-              <a:cs typeface="Times New Roman" panose="02020603050405020304" pitchFamily="18" charset="0"/>
-            </a:endParaRPr>
-          </a:p>
-        </p:txBody>
-      </p:sp>
-      <p:sp>
-        <p:nvSpPr>
-          <p:cNvPr id="348" name="Google Shape;348;p34"/>
-          <p:cNvSpPr txBox="1">
-            <a:spLocks noGrp="1"/>
-          </p:cNvSpPr>
-          <p:nvPr>
-            <p:ph type="subTitle" idx="9"/>
-          </p:nvPr>
-        </p:nvSpPr>
-        <p:spPr>
-          <a:xfrm>
-            <a:off x="1932788" y="3171850"/>
-            <a:ext cx="2490300" cy="534600"/>
-          </a:xfrm>
-          <a:prstGeom prst="rect">
-            <a:avLst/>
-          </a:prstGeom>
-        </p:spPr>
-        <p:txBody>
-          <a:bodyPr spcFirstLastPara="1" wrap="square" lIns="91425" tIns="91425" rIns="91425" bIns="91425" anchor="b" anchorCtr="0">
-            <a:noAutofit/>
-          </a:bodyPr>
-          <a:lstStyle/>
-          <a:p>
-            <a:pPr marL="0" lvl="0" indent="0" algn="l" rtl="0">
-              <a:spcBef>
-                <a:spcPts val="0"/>
-              </a:spcBef>
-              <a:spcAft>
-                <a:spcPts val="0"/>
-              </a:spcAft>
-              <a:buNone/>
-            </a:pPr>
-            <a:r>
-              <a:rPr lang="en" sz="2500" dirty="0">
-                <a:latin typeface="Times New Roman" panose="02020603050405020304" pitchFamily="18" charset="0"/>
-                <a:cs typeface="Times New Roman" panose="02020603050405020304" pitchFamily="18" charset="0"/>
-              </a:rPr>
-              <a:t>KẾT QUẢ</a:t>
-            </a:r>
-            <a:endParaRPr sz="2500" dirty="0">
-              <a:latin typeface="Times New Roman" panose="02020603050405020304" pitchFamily="18" charset="0"/>
-              <a:cs typeface="Times New Roman" panose="02020603050405020304" pitchFamily="18" charset="0"/>
-            </a:endParaRPr>
-          </a:p>
-        </p:txBody>
-      </p:sp>
-      <p:sp>
-        <p:nvSpPr>
-          <p:cNvPr id="349" name="Google Shape;349;p34"/>
-          <p:cNvSpPr txBox="1">
-            <a:spLocks noGrp="1"/>
-          </p:cNvSpPr>
-          <p:nvPr>
-            <p:ph type="title" idx="13"/>
-          </p:nvPr>
-        </p:nvSpPr>
-        <p:spPr>
-          <a:xfrm>
-            <a:off x="4720913" y="3095650"/>
-            <a:ext cx="1152600" cy="1074000"/>
-          </a:xfrm>
-          <a:prstGeom prst="rect">
-            <a:avLst/>
-          </a:prstGeom>
-        </p:spPr>
-        <p:txBody>
-          <a:bodyPr spcFirstLastPara="1" wrap="square" lIns="91425" tIns="91425" rIns="91425" bIns="91425" anchor="b" anchorCtr="0">
-            <a:noAutofit/>
-          </a:bodyPr>
-          <a:lstStyle/>
-          <a:p>
-            <a:pPr marL="0" lvl="0" indent="0" algn="ctr" rtl="0">
-              <a:spcBef>
-                <a:spcPts val="0"/>
-              </a:spcBef>
-              <a:spcAft>
-                <a:spcPts val="0"/>
-              </a:spcAft>
-              <a:buNone/>
-            </a:pPr>
-            <a:r>
-              <a:rPr lang="en"/>
-              <a:t>04</a:t>
-            </a:r>
-            <a:endParaRPr/>
-          </a:p>
-        </p:txBody>
-      </p:sp>
-      <p:sp>
-        <p:nvSpPr>
-          <p:cNvPr id="350" name="Google Shape;350;p34"/>
-          <p:cNvSpPr txBox="1">
-            <a:spLocks noGrp="1"/>
-          </p:cNvSpPr>
-          <p:nvPr>
-            <p:ph type="subTitle" idx="14"/>
-          </p:nvPr>
-        </p:nvSpPr>
-        <p:spPr>
-          <a:xfrm>
-            <a:off x="5873513" y="3599350"/>
-            <a:ext cx="2490300" cy="534600"/>
-          </a:xfrm>
-          <a:prstGeom prst="rect">
-            <a:avLst/>
-          </a:prstGeom>
-        </p:spPr>
-        <p:txBody>
-          <a:bodyPr spcFirstLastPara="1" wrap="square" lIns="91425" tIns="91425" rIns="91425" bIns="91425" anchor="b" anchorCtr="0">
-            <a:noAutofit/>
-          </a:bodyPr>
-          <a:lstStyle/>
-          <a:p>
-            <a:pPr marL="0" lvl="0" indent="0" algn="l" rtl="0">
-              <a:spcBef>
-                <a:spcPts val="0"/>
-              </a:spcBef>
-              <a:spcAft>
-                <a:spcPts val="0"/>
-              </a:spcAft>
-              <a:buNone/>
-            </a:pPr>
-            <a:r>
-              <a:rPr lang="en" dirty="0">
-                <a:latin typeface="Times New Roman" panose="02020603050405020304" pitchFamily="18" charset="0"/>
-                <a:cs typeface="Times New Roman" panose="02020603050405020304" pitchFamily="18" charset="0"/>
-              </a:rPr>
-              <a:t>Demo kết quả</a:t>
-            </a:r>
-            <a:endParaRPr dirty="0">
-              <a:latin typeface="Times New Roman" panose="02020603050405020304" pitchFamily="18" charset="0"/>
-              <a:cs typeface="Times New Roman" panose="02020603050405020304" pitchFamily="18" charset="0"/>
-            </a:endParaRPr>
-          </a:p>
-        </p:txBody>
-      </p:sp>
-      <p:sp>
-        <p:nvSpPr>
-          <p:cNvPr id="351" name="Google Shape;351;p34"/>
-          <p:cNvSpPr txBox="1">
-            <a:spLocks noGrp="1"/>
-          </p:cNvSpPr>
-          <p:nvPr>
-            <p:ph type="subTitle" idx="15"/>
-          </p:nvPr>
-        </p:nvSpPr>
-        <p:spPr>
-          <a:xfrm>
-            <a:off x="5873513" y="3171850"/>
-            <a:ext cx="2490300" cy="534600"/>
-          </a:xfrm>
-          <a:prstGeom prst="rect">
-            <a:avLst/>
-          </a:prstGeom>
-        </p:spPr>
-        <p:txBody>
-          <a:bodyPr spcFirstLastPara="1" wrap="square" lIns="91425" tIns="91425" rIns="91425" bIns="91425" anchor="b" anchorCtr="0">
-            <a:noAutofit/>
-          </a:bodyPr>
-          <a:lstStyle/>
-          <a:p>
-            <a:pPr marL="0" lvl="0" indent="0" algn="l" rtl="0">
-              <a:spcBef>
-                <a:spcPts val="0"/>
-              </a:spcBef>
-              <a:spcAft>
-                <a:spcPts val="0"/>
-              </a:spcAft>
-              <a:buNone/>
-            </a:pPr>
-            <a:r>
-              <a:rPr lang="en" dirty="0"/>
-              <a:t>DEMO</a:t>
-            </a:r>
-            <a:endParaRPr dirty="0"/>
-          </a:p>
-        </p:txBody>
-      </p:sp>
-      <p:sp>
-        <p:nvSpPr>
-          <p:cNvPr id="352" name="Google Shape;352;p34"/>
-          <p:cNvSpPr/>
-          <p:nvPr/>
-        </p:nvSpPr>
-        <p:spPr>
-          <a:xfrm>
-            <a:off x="815900" y="681625"/>
-            <a:ext cx="179100" cy="179100"/>
-          </a:xfrm>
-          <a:prstGeom prst="diamond">
-            <a:avLst/>
-          </a:prstGeom>
-          <a:solidFill>
-            <a:schemeClr val="dk1"/>
-          </a:solidFill>
-          <a:ln>
-            <a:noFill/>
-          </a:ln>
-        </p:spPr>
-        <p:txBody>
-          <a:bodyPr spcFirstLastPara="1" wrap="square" lIns="91425" tIns="91425" rIns="91425" bIns="91425" anchor="ctr" anchorCtr="0">
-            <a:noAutofit/>
-          </a:bodyPr>
-          <a:lstStyle/>
-          <a:p>
-            <a:pPr marL="0" lvl="0" indent="0" algn="l" rtl="0">
-              <a:spcBef>
-                <a:spcPts val="0"/>
-              </a:spcBef>
-              <a:spcAft>
-                <a:spcPts val="0"/>
-              </a:spcAft>
-              <a:buNone/>
-            </a:pPr>
-            <a:endParaRPr/>
-          </a:p>
-        </p:txBody>
-      </p:sp>
-      <p:sp>
-        <p:nvSpPr>
-          <p:cNvPr id="353" name="Google Shape;353;p34"/>
-          <p:cNvSpPr/>
-          <p:nvPr/>
-        </p:nvSpPr>
-        <p:spPr>
-          <a:xfrm>
-            <a:off x="8149000" y="681625"/>
-            <a:ext cx="179100" cy="179100"/>
-          </a:xfrm>
-          <a:prstGeom prst="diamond">
-            <a:avLst/>
-          </a:prstGeom>
-          <a:solidFill>
-            <a:schemeClr val="dk1"/>
-          </a:solidFill>
-          <a:ln>
-            <a:noFill/>
-          </a:ln>
-        </p:spPr>
-        <p:txBody>
-          <a:bodyPr spcFirstLastPara="1" wrap="square" lIns="91425" tIns="91425" rIns="91425" bIns="91425" anchor="ctr" anchorCtr="0">
-            <a:noAutofit/>
-          </a:bodyPr>
-          <a:lstStyle/>
-          <a:p>
-            <a:pPr marL="0" lvl="0" indent="0" algn="l" rtl="0">
-              <a:spcBef>
-                <a:spcPts val="0"/>
-              </a:spcBef>
-              <a:spcAft>
-                <a:spcPts val="0"/>
-              </a:spcAft>
-              <a:buNone/>
-            </a:pPr>
-            <a:endParaRPr/>
           </a:p>
         </p:txBody>
       </p:sp>
@@ -20749,7 +20166,7 @@
 </p:sld>
 </file>
 
-<file path=ppt/slides/slide3.xml><?xml version="1.0" encoding="utf-8"?>
+<file path=ppt/slides/slide2.xml><?xml version="1.0" encoding="utf-8"?>
 <p:sld xmlns:a="http://schemas.openxmlformats.org/drawingml/2006/main" xmlns:r="http://schemas.openxmlformats.org/officeDocument/2006/relationships" xmlns:p="http://schemas.openxmlformats.org/presentationml/2006/main">
   <p:cSld>
     <p:spTree>
@@ -20886,6 +20303,783 @@
               <a:latin typeface="Times New Roman" panose="02020603050405020304" pitchFamily="18" charset="0"/>
               <a:cs typeface="Times New Roman" panose="02020603050405020304" pitchFamily="18" charset="0"/>
             </a:endParaRPr>
+          </a:p>
+        </p:txBody>
+      </p:sp>
+      <p:sp>
+        <p:nvSpPr>
+          <p:cNvPr id="4" name="TextBox 3">
+            <a:extLst>
+              <a:ext uri="{FF2B5EF4-FFF2-40B4-BE49-F238E27FC236}">
+                <a16:creationId xmlns:a16="http://schemas.microsoft.com/office/drawing/2014/main" id="{A29300B2-364D-CFF7-C039-345900ACC35A}"/>
+              </a:ext>
+            </a:extLst>
+          </p:cNvPr>
+          <p:cNvSpPr txBox="1"/>
+          <p:nvPr/>
+        </p:nvSpPr>
+        <p:spPr>
+          <a:xfrm>
+            <a:off x="4304686" y="4561700"/>
+            <a:ext cx="498088" cy="307777"/>
+          </a:xfrm>
+          <a:prstGeom prst="rect">
+            <a:avLst/>
+          </a:prstGeom>
+          <a:noFill/>
+        </p:spPr>
+        <p:txBody>
+          <a:bodyPr wrap="square" rtlCol="0">
+            <a:spAutoFit/>
+          </a:bodyPr>
+          <a:lstStyle/>
+          <a:p>
+            <a:pPr algn="ctr"/>
+            <a:r>
+              <a:rPr lang="en-US" dirty="0">
+                <a:solidFill>
+                  <a:schemeClr val="tx1"/>
+                </a:solidFill>
+                <a:latin typeface="Times New Roman" panose="02020603050405020304" pitchFamily="18" charset="0"/>
+                <a:cs typeface="Times New Roman" panose="02020603050405020304" pitchFamily="18" charset="0"/>
+              </a:rPr>
+              <a:t>3</a:t>
+            </a:r>
+          </a:p>
+        </p:txBody>
+      </p:sp>
+    </p:spTree>
+  </p:cSld>
+  <p:clrMapOvr>
+    <a:masterClrMapping/>
+  </p:clrMapOvr>
+</p:sld>
+</file>
+
+<file path=ppt/slides/slide3.xml><?xml version="1.0" encoding="utf-8"?>
+<p:sld xmlns:a="http://schemas.openxmlformats.org/drawingml/2006/main" xmlns:r="http://schemas.openxmlformats.org/officeDocument/2006/relationships" xmlns:p="http://schemas.openxmlformats.org/presentationml/2006/main">
+  <p:cSld>
+    <p:spTree>
+      <p:nvGrpSpPr>
+        <p:cNvPr id="1" name="Shape 338"/>
+        <p:cNvGrpSpPr/>
+        <p:nvPr/>
+      </p:nvGrpSpPr>
+      <p:grpSpPr>
+        <a:xfrm>
+          <a:off x="0" y="0"/>
+          <a:ext cx="0" cy="0"/>
+          <a:chOff x="0" y="0"/>
+          <a:chExt cx="0" cy="0"/>
+        </a:xfrm>
+      </p:grpSpPr>
+      <p:sp>
+        <p:nvSpPr>
+          <p:cNvPr id="339" name="Google Shape;339;p34"/>
+          <p:cNvSpPr txBox="1">
+            <a:spLocks noGrp="1"/>
+          </p:cNvSpPr>
+          <p:nvPr>
+            <p:ph type="title"/>
+          </p:nvPr>
+        </p:nvSpPr>
+        <p:spPr>
+          <a:xfrm>
+            <a:off x="720000" y="445025"/>
+            <a:ext cx="7704000" cy="572700"/>
+          </a:xfrm>
+          <a:prstGeom prst="rect">
+            <a:avLst/>
+          </a:prstGeom>
+        </p:spPr>
+        <p:txBody>
+          <a:bodyPr spcFirstLastPara="1" wrap="square" lIns="91425" tIns="91425" rIns="91425" bIns="91425" anchor="t" anchorCtr="0">
+            <a:noAutofit/>
+          </a:bodyPr>
+          <a:lstStyle/>
+          <a:p>
+            <a:pPr marL="0" lvl="0" indent="0" algn="ctr" rtl="0">
+              <a:spcBef>
+                <a:spcPts val="0"/>
+              </a:spcBef>
+              <a:spcAft>
+                <a:spcPts val="0"/>
+              </a:spcAft>
+              <a:buNone/>
+            </a:pPr>
+            <a:r>
+              <a:rPr lang="en"/>
+              <a:t>TABLE OF CONTENTS</a:t>
+            </a:r>
+            <a:endParaRPr/>
+          </a:p>
+        </p:txBody>
+      </p:sp>
+      <p:sp>
+        <p:nvSpPr>
+          <p:cNvPr id="340" name="Google Shape;340;p34"/>
+          <p:cNvSpPr txBox="1">
+            <a:spLocks noGrp="1"/>
+          </p:cNvSpPr>
+          <p:nvPr>
+            <p:ph type="subTitle" idx="1"/>
+          </p:nvPr>
+        </p:nvSpPr>
+        <p:spPr>
+          <a:xfrm>
+            <a:off x="1932788" y="2245250"/>
+            <a:ext cx="2490300" cy="534600"/>
+          </a:xfrm>
+          <a:prstGeom prst="rect">
+            <a:avLst/>
+          </a:prstGeom>
+        </p:spPr>
+        <p:txBody>
+          <a:bodyPr spcFirstLastPara="1" wrap="square" lIns="91425" tIns="91425" rIns="91425" bIns="91425" anchor="b" anchorCtr="0">
+            <a:noAutofit/>
+          </a:bodyPr>
+          <a:lstStyle/>
+          <a:p>
+            <a:pPr marL="0" lvl="0" indent="0" algn="l" rtl="0">
+              <a:spcBef>
+                <a:spcPts val="0"/>
+              </a:spcBef>
+              <a:spcAft>
+                <a:spcPts val="0"/>
+              </a:spcAft>
+              <a:buNone/>
+            </a:pPr>
+            <a:r>
+              <a:rPr lang="en" dirty="0">
+                <a:latin typeface="Times New Roman" panose="02020603050405020304" pitchFamily="18" charset="0"/>
+                <a:cs typeface="Times New Roman" panose="02020603050405020304" pitchFamily="18" charset="0"/>
+              </a:rPr>
+              <a:t>Giới thiệu đề tài, tóm tắt bài toán</a:t>
+            </a:r>
+            <a:endParaRPr dirty="0">
+              <a:latin typeface="Times New Roman" panose="02020603050405020304" pitchFamily="18" charset="0"/>
+              <a:cs typeface="Times New Roman" panose="02020603050405020304" pitchFamily="18" charset="0"/>
+            </a:endParaRPr>
+          </a:p>
+        </p:txBody>
+      </p:sp>
+      <p:sp>
+        <p:nvSpPr>
+          <p:cNvPr id="341" name="Google Shape;341;p34"/>
+          <p:cNvSpPr txBox="1">
+            <a:spLocks noGrp="1"/>
+          </p:cNvSpPr>
+          <p:nvPr>
+            <p:ph type="title" idx="2"/>
+          </p:nvPr>
+        </p:nvSpPr>
+        <p:spPr>
+          <a:xfrm>
+            <a:off x="780188" y="1634450"/>
+            <a:ext cx="1152600" cy="1074000"/>
+          </a:xfrm>
+          <a:prstGeom prst="rect">
+            <a:avLst/>
+          </a:prstGeom>
+        </p:spPr>
+        <p:txBody>
+          <a:bodyPr spcFirstLastPara="1" wrap="square" lIns="91425" tIns="91425" rIns="91425" bIns="91425" anchor="b" anchorCtr="0">
+            <a:noAutofit/>
+          </a:bodyPr>
+          <a:lstStyle/>
+          <a:p>
+            <a:pPr marL="0" lvl="0" indent="0" algn="ctr" rtl="0">
+              <a:spcBef>
+                <a:spcPts val="0"/>
+              </a:spcBef>
+              <a:spcAft>
+                <a:spcPts val="0"/>
+              </a:spcAft>
+              <a:buNone/>
+            </a:pPr>
+            <a:r>
+              <a:rPr lang="en"/>
+              <a:t>01</a:t>
+            </a:r>
+            <a:endParaRPr/>
+          </a:p>
+        </p:txBody>
+      </p:sp>
+      <p:sp>
+        <p:nvSpPr>
+          <p:cNvPr id="342" name="Google Shape;342;p34"/>
+          <p:cNvSpPr txBox="1">
+            <a:spLocks noGrp="1"/>
+          </p:cNvSpPr>
+          <p:nvPr>
+            <p:ph type="subTitle" idx="3"/>
+          </p:nvPr>
+        </p:nvSpPr>
+        <p:spPr>
+          <a:xfrm>
+            <a:off x="1932788" y="1710650"/>
+            <a:ext cx="2490300" cy="534600"/>
+          </a:xfrm>
+          <a:prstGeom prst="rect">
+            <a:avLst/>
+          </a:prstGeom>
+        </p:spPr>
+        <p:txBody>
+          <a:bodyPr spcFirstLastPara="1" wrap="square" lIns="91425" tIns="91425" rIns="91425" bIns="91425" anchor="b" anchorCtr="0">
+            <a:noAutofit/>
+          </a:bodyPr>
+          <a:lstStyle/>
+          <a:p>
+            <a:pPr marL="0" lvl="0" indent="0" algn="l" rtl="0">
+              <a:spcBef>
+                <a:spcPts val="0"/>
+              </a:spcBef>
+              <a:spcAft>
+                <a:spcPts val="0"/>
+              </a:spcAft>
+              <a:buNone/>
+            </a:pPr>
+            <a:r>
+              <a:rPr lang="en" sz="2500" dirty="0">
+                <a:latin typeface="+mj-lt"/>
+                <a:cs typeface="Times New Roman" panose="02020603050405020304" pitchFamily="18" charset="0"/>
+              </a:rPr>
+              <a:t>GIỚI THIỆU</a:t>
+            </a:r>
+            <a:endParaRPr sz="2500" dirty="0">
+              <a:latin typeface="+mj-lt"/>
+              <a:cs typeface="Times New Roman" panose="02020603050405020304" pitchFamily="18" charset="0"/>
+            </a:endParaRPr>
+          </a:p>
+        </p:txBody>
+      </p:sp>
+      <p:sp>
+        <p:nvSpPr>
+          <p:cNvPr id="343" name="Google Shape;343;p34"/>
+          <p:cNvSpPr txBox="1">
+            <a:spLocks noGrp="1"/>
+          </p:cNvSpPr>
+          <p:nvPr>
+            <p:ph type="title" idx="4"/>
+          </p:nvPr>
+        </p:nvSpPr>
+        <p:spPr>
+          <a:xfrm>
+            <a:off x="4720913" y="1634450"/>
+            <a:ext cx="1152600" cy="1074000"/>
+          </a:xfrm>
+          <a:prstGeom prst="rect">
+            <a:avLst/>
+          </a:prstGeom>
+        </p:spPr>
+        <p:txBody>
+          <a:bodyPr spcFirstLastPara="1" wrap="square" lIns="91425" tIns="91425" rIns="91425" bIns="91425" anchor="b" anchorCtr="0">
+            <a:noAutofit/>
+          </a:bodyPr>
+          <a:lstStyle/>
+          <a:p>
+            <a:pPr marL="0" lvl="0" indent="0" algn="ctr" rtl="0">
+              <a:spcBef>
+                <a:spcPts val="0"/>
+              </a:spcBef>
+              <a:spcAft>
+                <a:spcPts val="0"/>
+              </a:spcAft>
+              <a:buNone/>
+            </a:pPr>
+            <a:r>
+              <a:rPr lang="en"/>
+              <a:t>02</a:t>
+            </a:r>
+            <a:endParaRPr/>
+          </a:p>
+        </p:txBody>
+      </p:sp>
+      <p:sp>
+        <p:nvSpPr>
+          <p:cNvPr id="344" name="Google Shape;344;p34"/>
+          <p:cNvSpPr txBox="1">
+            <a:spLocks noGrp="1"/>
+          </p:cNvSpPr>
+          <p:nvPr>
+            <p:ph type="subTitle" idx="5"/>
+          </p:nvPr>
+        </p:nvSpPr>
+        <p:spPr>
+          <a:xfrm>
+            <a:off x="5873513" y="2245250"/>
+            <a:ext cx="2490300" cy="534600"/>
+          </a:xfrm>
+          <a:prstGeom prst="rect">
+            <a:avLst/>
+          </a:prstGeom>
+        </p:spPr>
+        <p:txBody>
+          <a:bodyPr spcFirstLastPara="1" wrap="square" lIns="91425" tIns="91425" rIns="91425" bIns="91425" anchor="b" anchorCtr="0">
+            <a:noAutofit/>
+          </a:bodyPr>
+          <a:lstStyle/>
+          <a:p>
+            <a:pPr marL="0" lvl="0" indent="0" algn="l" rtl="0">
+              <a:spcBef>
+                <a:spcPts val="0"/>
+              </a:spcBef>
+              <a:spcAft>
+                <a:spcPts val="0"/>
+              </a:spcAft>
+              <a:buNone/>
+            </a:pPr>
+            <a:r>
+              <a:rPr lang="en" dirty="0">
+                <a:latin typeface="Times New Roman" panose="02020603050405020304" pitchFamily="18" charset="0"/>
+                <a:cs typeface="Times New Roman" panose="02020603050405020304" pitchFamily="18" charset="0"/>
+              </a:rPr>
+              <a:t>Các phương pháp áp dụng trong đồ án</a:t>
+            </a:r>
+            <a:endParaRPr dirty="0">
+              <a:latin typeface="Times New Roman" panose="02020603050405020304" pitchFamily="18" charset="0"/>
+              <a:cs typeface="Times New Roman" panose="02020603050405020304" pitchFamily="18" charset="0"/>
+            </a:endParaRPr>
+          </a:p>
+        </p:txBody>
+      </p:sp>
+      <p:sp>
+        <p:nvSpPr>
+          <p:cNvPr id="345" name="Google Shape;345;p34"/>
+          <p:cNvSpPr txBox="1">
+            <a:spLocks noGrp="1"/>
+          </p:cNvSpPr>
+          <p:nvPr>
+            <p:ph type="subTitle" idx="6"/>
+          </p:nvPr>
+        </p:nvSpPr>
+        <p:spPr>
+          <a:xfrm>
+            <a:off x="5873513" y="1710650"/>
+            <a:ext cx="2705492" cy="534600"/>
+          </a:xfrm>
+          <a:prstGeom prst="rect">
+            <a:avLst/>
+          </a:prstGeom>
+        </p:spPr>
+        <p:txBody>
+          <a:bodyPr spcFirstLastPara="1" wrap="square" lIns="91425" tIns="91425" rIns="91425" bIns="91425" anchor="b" anchorCtr="0">
+            <a:noAutofit/>
+          </a:bodyPr>
+          <a:lstStyle/>
+          <a:p>
+            <a:pPr marL="0" lvl="0" indent="0" algn="l" rtl="0">
+              <a:spcBef>
+                <a:spcPts val="0"/>
+              </a:spcBef>
+              <a:spcAft>
+                <a:spcPts val="0"/>
+              </a:spcAft>
+              <a:buNone/>
+            </a:pPr>
+            <a:r>
+              <a:rPr lang="en" sz="2500" dirty="0">
+                <a:latin typeface="Times New Roman" panose="02020603050405020304" pitchFamily="18" charset="0"/>
+                <a:cs typeface="Times New Roman" panose="02020603050405020304" pitchFamily="18" charset="0"/>
+              </a:rPr>
+              <a:t> PHƯƠNG PHÁP</a:t>
+            </a:r>
+            <a:endParaRPr sz="2500" dirty="0">
+              <a:latin typeface="Times New Roman" panose="02020603050405020304" pitchFamily="18" charset="0"/>
+              <a:cs typeface="Times New Roman" panose="02020603050405020304" pitchFamily="18" charset="0"/>
+            </a:endParaRPr>
+          </a:p>
+        </p:txBody>
+      </p:sp>
+      <p:sp>
+        <p:nvSpPr>
+          <p:cNvPr id="346" name="Google Shape;346;p34"/>
+          <p:cNvSpPr txBox="1">
+            <a:spLocks noGrp="1"/>
+          </p:cNvSpPr>
+          <p:nvPr>
+            <p:ph type="title" idx="7"/>
+          </p:nvPr>
+        </p:nvSpPr>
+        <p:spPr>
+          <a:xfrm>
+            <a:off x="780188" y="3095650"/>
+            <a:ext cx="1152600" cy="1074000"/>
+          </a:xfrm>
+          <a:prstGeom prst="rect">
+            <a:avLst/>
+          </a:prstGeom>
+        </p:spPr>
+        <p:txBody>
+          <a:bodyPr spcFirstLastPara="1" wrap="square" lIns="91425" tIns="91425" rIns="91425" bIns="91425" anchor="b" anchorCtr="0">
+            <a:noAutofit/>
+          </a:bodyPr>
+          <a:lstStyle/>
+          <a:p>
+            <a:pPr marL="0" lvl="0" indent="0" algn="ctr" rtl="0">
+              <a:spcBef>
+                <a:spcPts val="0"/>
+              </a:spcBef>
+              <a:spcAft>
+                <a:spcPts val="0"/>
+              </a:spcAft>
+              <a:buNone/>
+            </a:pPr>
+            <a:r>
+              <a:rPr lang="en"/>
+              <a:t>03</a:t>
+            </a:r>
+            <a:endParaRPr/>
+          </a:p>
+        </p:txBody>
+      </p:sp>
+      <p:sp>
+        <p:nvSpPr>
+          <p:cNvPr id="347" name="Google Shape;347;p34"/>
+          <p:cNvSpPr txBox="1">
+            <a:spLocks noGrp="1"/>
+          </p:cNvSpPr>
+          <p:nvPr>
+            <p:ph type="subTitle" idx="8"/>
+          </p:nvPr>
+        </p:nvSpPr>
+        <p:spPr>
+          <a:xfrm>
+            <a:off x="1932788" y="3706450"/>
+            <a:ext cx="2490300" cy="779000"/>
+          </a:xfrm>
+          <a:prstGeom prst="rect">
+            <a:avLst/>
+          </a:prstGeom>
+        </p:spPr>
+        <p:txBody>
+          <a:bodyPr spcFirstLastPara="1" wrap="square" lIns="91425" tIns="91425" rIns="91425" bIns="91425" anchor="b" anchorCtr="0">
+            <a:noAutofit/>
+          </a:bodyPr>
+          <a:lstStyle/>
+          <a:p>
+            <a:pPr marL="0" lvl="0" indent="0" algn="l" rtl="0">
+              <a:spcBef>
+                <a:spcPts val="0"/>
+              </a:spcBef>
+              <a:spcAft>
+                <a:spcPts val="0"/>
+              </a:spcAft>
+              <a:buNone/>
+            </a:pPr>
+            <a:r>
+              <a:rPr lang="en" dirty="0">
+                <a:latin typeface="Times New Roman" panose="02020603050405020304" pitchFamily="18" charset="0"/>
+                <a:cs typeface="Times New Roman" panose="02020603050405020304" pitchFamily="18" charset="0"/>
+              </a:rPr>
+              <a:t>Tóm gọn kết quả đã thực hiện được, hạn chế và đưa ra hướng đi trong tương lai</a:t>
+            </a:r>
+            <a:endParaRPr dirty="0">
+              <a:latin typeface="Times New Roman" panose="02020603050405020304" pitchFamily="18" charset="0"/>
+              <a:cs typeface="Times New Roman" panose="02020603050405020304" pitchFamily="18" charset="0"/>
+            </a:endParaRPr>
+          </a:p>
+        </p:txBody>
+      </p:sp>
+      <p:sp>
+        <p:nvSpPr>
+          <p:cNvPr id="348" name="Google Shape;348;p34"/>
+          <p:cNvSpPr txBox="1">
+            <a:spLocks noGrp="1"/>
+          </p:cNvSpPr>
+          <p:nvPr>
+            <p:ph type="subTitle" idx="9"/>
+          </p:nvPr>
+        </p:nvSpPr>
+        <p:spPr>
+          <a:xfrm>
+            <a:off x="1932788" y="3171850"/>
+            <a:ext cx="2490300" cy="534600"/>
+          </a:xfrm>
+          <a:prstGeom prst="rect">
+            <a:avLst/>
+          </a:prstGeom>
+        </p:spPr>
+        <p:txBody>
+          <a:bodyPr spcFirstLastPara="1" wrap="square" lIns="91425" tIns="91425" rIns="91425" bIns="91425" anchor="b" anchorCtr="0">
+            <a:noAutofit/>
+          </a:bodyPr>
+          <a:lstStyle/>
+          <a:p>
+            <a:pPr marL="0" lvl="0" indent="0" algn="l" rtl="0">
+              <a:spcBef>
+                <a:spcPts val="0"/>
+              </a:spcBef>
+              <a:spcAft>
+                <a:spcPts val="0"/>
+              </a:spcAft>
+              <a:buNone/>
+            </a:pPr>
+            <a:r>
+              <a:rPr lang="en" sz="2500" dirty="0">
+                <a:latin typeface="Times New Roman" panose="02020603050405020304" pitchFamily="18" charset="0"/>
+                <a:cs typeface="Times New Roman" panose="02020603050405020304" pitchFamily="18" charset="0"/>
+              </a:rPr>
+              <a:t>KẾT QUẢ</a:t>
+            </a:r>
+            <a:endParaRPr sz="2500" dirty="0">
+              <a:latin typeface="Times New Roman" panose="02020603050405020304" pitchFamily="18" charset="0"/>
+              <a:cs typeface="Times New Roman" panose="02020603050405020304" pitchFamily="18" charset="0"/>
+            </a:endParaRPr>
+          </a:p>
+        </p:txBody>
+      </p:sp>
+      <p:sp>
+        <p:nvSpPr>
+          <p:cNvPr id="349" name="Google Shape;349;p34"/>
+          <p:cNvSpPr txBox="1">
+            <a:spLocks noGrp="1"/>
+          </p:cNvSpPr>
+          <p:nvPr>
+            <p:ph type="title" idx="13"/>
+          </p:nvPr>
+        </p:nvSpPr>
+        <p:spPr>
+          <a:xfrm>
+            <a:off x="4720913" y="3095650"/>
+            <a:ext cx="1152600" cy="1074000"/>
+          </a:xfrm>
+          <a:prstGeom prst="rect">
+            <a:avLst/>
+          </a:prstGeom>
+        </p:spPr>
+        <p:txBody>
+          <a:bodyPr spcFirstLastPara="1" wrap="square" lIns="91425" tIns="91425" rIns="91425" bIns="91425" anchor="b" anchorCtr="0">
+            <a:noAutofit/>
+          </a:bodyPr>
+          <a:lstStyle/>
+          <a:p>
+            <a:pPr marL="0" lvl="0" indent="0" algn="ctr" rtl="0">
+              <a:spcBef>
+                <a:spcPts val="0"/>
+              </a:spcBef>
+              <a:spcAft>
+                <a:spcPts val="0"/>
+              </a:spcAft>
+              <a:buNone/>
+            </a:pPr>
+            <a:r>
+              <a:rPr lang="en"/>
+              <a:t>04</a:t>
+            </a:r>
+            <a:endParaRPr/>
+          </a:p>
+        </p:txBody>
+      </p:sp>
+      <p:sp>
+        <p:nvSpPr>
+          <p:cNvPr id="350" name="Google Shape;350;p34"/>
+          <p:cNvSpPr txBox="1">
+            <a:spLocks noGrp="1"/>
+          </p:cNvSpPr>
+          <p:nvPr>
+            <p:ph type="subTitle" idx="14"/>
+          </p:nvPr>
+        </p:nvSpPr>
+        <p:spPr>
+          <a:xfrm>
+            <a:off x="5873513" y="3599350"/>
+            <a:ext cx="2490300" cy="534600"/>
+          </a:xfrm>
+          <a:prstGeom prst="rect">
+            <a:avLst/>
+          </a:prstGeom>
+        </p:spPr>
+        <p:txBody>
+          <a:bodyPr spcFirstLastPara="1" wrap="square" lIns="91425" tIns="91425" rIns="91425" bIns="91425" anchor="b" anchorCtr="0">
+            <a:noAutofit/>
+          </a:bodyPr>
+          <a:lstStyle/>
+          <a:p>
+            <a:pPr marL="0" lvl="0" indent="0" algn="l" rtl="0">
+              <a:spcBef>
+                <a:spcPts val="0"/>
+              </a:spcBef>
+              <a:spcAft>
+                <a:spcPts val="0"/>
+              </a:spcAft>
+              <a:buNone/>
+            </a:pPr>
+            <a:r>
+              <a:rPr lang="en" dirty="0">
+                <a:latin typeface="Times New Roman" panose="02020603050405020304" pitchFamily="18" charset="0"/>
+                <a:cs typeface="Times New Roman" panose="02020603050405020304" pitchFamily="18" charset="0"/>
+              </a:rPr>
+              <a:t>Demo kết quả</a:t>
+            </a:r>
+            <a:endParaRPr dirty="0">
+              <a:latin typeface="Times New Roman" panose="02020603050405020304" pitchFamily="18" charset="0"/>
+              <a:cs typeface="Times New Roman" panose="02020603050405020304" pitchFamily="18" charset="0"/>
+            </a:endParaRPr>
+          </a:p>
+        </p:txBody>
+      </p:sp>
+      <p:sp>
+        <p:nvSpPr>
+          <p:cNvPr id="351" name="Google Shape;351;p34"/>
+          <p:cNvSpPr txBox="1">
+            <a:spLocks noGrp="1"/>
+          </p:cNvSpPr>
+          <p:nvPr>
+            <p:ph type="subTitle" idx="15"/>
+          </p:nvPr>
+        </p:nvSpPr>
+        <p:spPr>
+          <a:xfrm>
+            <a:off x="5873513" y="3171850"/>
+            <a:ext cx="2490300" cy="534600"/>
+          </a:xfrm>
+          <a:prstGeom prst="rect">
+            <a:avLst/>
+          </a:prstGeom>
+        </p:spPr>
+        <p:txBody>
+          <a:bodyPr spcFirstLastPara="1" wrap="square" lIns="91425" tIns="91425" rIns="91425" bIns="91425" anchor="b" anchorCtr="0">
+            <a:noAutofit/>
+          </a:bodyPr>
+          <a:lstStyle/>
+          <a:p>
+            <a:pPr marL="0" lvl="0" indent="0" algn="l" rtl="0">
+              <a:spcBef>
+                <a:spcPts val="0"/>
+              </a:spcBef>
+              <a:spcAft>
+                <a:spcPts val="0"/>
+              </a:spcAft>
+              <a:buNone/>
+            </a:pPr>
+            <a:r>
+              <a:rPr lang="en" dirty="0"/>
+              <a:t>DEMO</a:t>
+            </a:r>
+            <a:endParaRPr dirty="0"/>
+          </a:p>
+        </p:txBody>
+      </p:sp>
+      <p:sp>
+        <p:nvSpPr>
+          <p:cNvPr id="352" name="Google Shape;352;p34"/>
+          <p:cNvSpPr/>
+          <p:nvPr/>
+        </p:nvSpPr>
+        <p:spPr>
+          <a:xfrm>
+            <a:off x="815900" y="681625"/>
+            <a:ext cx="179100" cy="179100"/>
+          </a:xfrm>
+          <a:prstGeom prst="diamond">
+            <a:avLst/>
+          </a:prstGeom>
+          <a:solidFill>
+            <a:schemeClr val="dk1"/>
+          </a:solidFill>
+          <a:ln>
+            <a:noFill/>
+          </a:ln>
+        </p:spPr>
+        <p:txBody>
+          <a:bodyPr spcFirstLastPara="1" wrap="square" lIns="91425" tIns="91425" rIns="91425" bIns="91425" anchor="ctr" anchorCtr="0">
+            <a:noAutofit/>
+          </a:bodyPr>
+          <a:lstStyle/>
+          <a:p>
+            <a:pPr marL="0" lvl="0" indent="0" algn="l" rtl="0">
+              <a:spcBef>
+                <a:spcPts val="0"/>
+              </a:spcBef>
+              <a:spcAft>
+                <a:spcPts val="0"/>
+              </a:spcAft>
+              <a:buNone/>
+            </a:pPr>
+            <a:endParaRPr/>
+          </a:p>
+        </p:txBody>
+      </p:sp>
+      <p:sp>
+        <p:nvSpPr>
+          <p:cNvPr id="353" name="Google Shape;353;p34"/>
+          <p:cNvSpPr/>
+          <p:nvPr/>
+        </p:nvSpPr>
+        <p:spPr>
+          <a:xfrm>
+            <a:off x="8149000" y="681625"/>
+            <a:ext cx="179100" cy="179100"/>
+          </a:xfrm>
+          <a:prstGeom prst="diamond">
+            <a:avLst/>
+          </a:prstGeom>
+          <a:solidFill>
+            <a:schemeClr val="dk1"/>
+          </a:solidFill>
+          <a:ln>
+            <a:noFill/>
+          </a:ln>
+        </p:spPr>
+        <p:txBody>
+          <a:bodyPr spcFirstLastPara="1" wrap="square" lIns="91425" tIns="91425" rIns="91425" bIns="91425" anchor="ctr" anchorCtr="0">
+            <a:noAutofit/>
+          </a:bodyPr>
+          <a:lstStyle/>
+          <a:p>
+            <a:pPr marL="0" lvl="0" indent="0" algn="l" rtl="0">
+              <a:spcBef>
+                <a:spcPts val="0"/>
+              </a:spcBef>
+              <a:spcAft>
+                <a:spcPts val="0"/>
+              </a:spcAft>
+              <a:buNone/>
+            </a:pPr>
+            <a:endParaRPr/>
+          </a:p>
+        </p:txBody>
+      </p:sp>
+      <p:sp>
+        <p:nvSpPr>
+          <p:cNvPr id="18" name="TextBox 17">
+            <a:extLst>
+              <a:ext uri="{FF2B5EF4-FFF2-40B4-BE49-F238E27FC236}">
+                <a16:creationId xmlns:a16="http://schemas.microsoft.com/office/drawing/2014/main" id="{74D86B3E-C2FF-AB2D-D559-97D937E81269}"/>
+              </a:ext>
+            </a:extLst>
+          </p:cNvPr>
+          <p:cNvSpPr txBox="1"/>
+          <p:nvPr/>
+        </p:nvSpPr>
+        <p:spPr>
+          <a:xfrm>
+            <a:off x="4304686" y="4561700"/>
+            <a:ext cx="498088" cy="307777"/>
+          </a:xfrm>
+          <a:prstGeom prst="rect">
+            <a:avLst/>
+          </a:prstGeom>
+          <a:noFill/>
+        </p:spPr>
+        <p:txBody>
+          <a:bodyPr wrap="square" rtlCol="0">
+            <a:spAutoFit/>
+          </a:bodyPr>
+          <a:lstStyle/>
+          <a:p>
+            <a:pPr algn="ctr"/>
+            <a:r>
+              <a:rPr lang="en-US" dirty="0">
+                <a:solidFill>
+                  <a:schemeClr val="tx1"/>
+                </a:solidFill>
+                <a:latin typeface="Times New Roman" panose="02020603050405020304" pitchFamily="18" charset="0"/>
+                <a:cs typeface="Times New Roman" panose="02020603050405020304" pitchFamily="18" charset="0"/>
+              </a:rPr>
+              <a:t>2</a:t>
+            </a:r>
           </a:p>
         </p:txBody>
       </p:sp>
@@ -21099,6 +21293,48 @@
           </p:txBody>
         </p:sp>
       </p:grpSp>
+      <p:sp>
+        <p:nvSpPr>
+          <p:cNvPr id="7" name="TextBox 6">
+            <a:extLst>
+              <a:ext uri="{FF2B5EF4-FFF2-40B4-BE49-F238E27FC236}">
+                <a16:creationId xmlns:a16="http://schemas.microsoft.com/office/drawing/2014/main" id="{CBFBDAF0-00EB-9138-1DC0-F817CA00CC99}"/>
+              </a:ext>
+            </a:extLst>
+          </p:cNvPr>
+          <p:cNvSpPr txBox="1"/>
+          <p:nvPr/>
+        </p:nvSpPr>
+        <p:spPr>
+          <a:xfrm>
+            <a:off x="4304686" y="4561700"/>
+            <a:ext cx="498088" cy="307777"/>
+          </a:xfrm>
+          <a:prstGeom prst="rect">
+            <a:avLst/>
+          </a:prstGeom>
+          <a:noFill/>
+        </p:spPr>
+        <p:txBody>
+          <a:bodyPr wrap="square" rtlCol="0">
+            <a:spAutoFit/>
+          </a:bodyPr>
+          <a:lstStyle/>
+          <a:p>
+            <a:pPr algn="ctr"/>
+            <a:r>
+              <a:rPr lang="en-US" dirty="0">
+                <a:solidFill>
+                  <a:schemeClr val="tx1"/>
+                </a:solidFill>
+                <a:latin typeface="Times New Roman" panose="02020603050405020304" pitchFamily="18" charset="0"/>
+                <a:cs typeface="Times New Roman" panose="02020603050405020304" pitchFamily="18" charset="0"/>
+              </a:rPr>
+              <a:t>4</a:t>
+            </a:r>
+          </a:p>
+        </p:txBody>
+      </p:sp>
     </p:spTree>
   </p:cSld>
   <p:clrMapOvr>
@@ -21309,6 +21545,48 @@
           </p:txBody>
         </p:sp>
       </p:grpSp>
+      <p:sp>
+        <p:nvSpPr>
+          <p:cNvPr id="7" name="TextBox 6">
+            <a:extLst>
+              <a:ext uri="{FF2B5EF4-FFF2-40B4-BE49-F238E27FC236}">
+                <a16:creationId xmlns:a16="http://schemas.microsoft.com/office/drawing/2014/main" id="{0D790981-C2D4-FAEC-49AF-0F23BE4AA4AE}"/>
+              </a:ext>
+            </a:extLst>
+          </p:cNvPr>
+          <p:cNvSpPr txBox="1"/>
+          <p:nvPr/>
+        </p:nvSpPr>
+        <p:spPr>
+          <a:xfrm>
+            <a:off x="4304686" y="4561700"/>
+            <a:ext cx="498088" cy="307777"/>
+          </a:xfrm>
+          <a:prstGeom prst="rect">
+            <a:avLst/>
+          </a:prstGeom>
+          <a:noFill/>
+        </p:spPr>
+        <p:txBody>
+          <a:bodyPr wrap="square" rtlCol="0">
+            <a:spAutoFit/>
+          </a:bodyPr>
+          <a:lstStyle/>
+          <a:p>
+            <a:pPr algn="ctr"/>
+            <a:r>
+              <a:rPr lang="en-US" dirty="0">
+                <a:solidFill>
+                  <a:schemeClr val="tx1"/>
+                </a:solidFill>
+                <a:latin typeface="Times New Roman" panose="02020603050405020304" pitchFamily="18" charset="0"/>
+                <a:cs typeface="Times New Roman" panose="02020603050405020304" pitchFamily="18" charset="0"/>
+              </a:rPr>
+              <a:t>5</a:t>
+            </a:r>
+          </a:p>
+        </p:txBody>
+      </p:sp>
     </p:spTree>
     <p:extLst>
       <p:ext uri="{BB962C8B-B14F-4D97-AF65-F5344CB8AC3E}">
@@ -24142,6 +24420,48 @@
           </a:p>
         </p:txBody>
       </p:sp>
+      <p:sp>
+        <p:nvSpPr>
+          <p:cNvPr id="33" name="TextBox 32">
+            <a:extLst>
+              <a:ext uri="{FF2B5EF4-FFF2-40B4-BE49-F238E27FC236}">
+                <a16:creationId xmlns:a16="http://schemas.microsoft.com/office/drawing/2014/main" id="{9944F7C2-89D2-5E7D-816D-688AA6CE4AC9}"/>
+              </a:ext>
+            </a:extLst>
+          </p:cNvPr>
+          <p:cNvSpPr txBox="1"/>
+          <p:nvPr/>
+        </p:nvSpPr>
+        <p:spPr>
+          <a:xfrm>
+            <a:off x="4304686" y="4561700"/>
+            <a:ext cx="498088" cy="307777"/>
+          </a:xfrm>
+          <a:prstGeom prst="rect">
+            <a:avLst/>
+          </a:prstGeom>
+          <a:noFill/>
+        </p:spPr>
+        <p:txBody>
+          <a:bodyPr wrap="square" rtlCol="0">
+            <a:spAutoFit/>
+          </a:bodyPr>
+          <a:lstStyle/>
+          <a:p>
+            <a:pPr algn="ctr"/>
+            <a:r>
+              <a:rPr lang="en-US" dirty="0">
+                <a:solidFill>
+                  <a:schemeClr val="tx1"/>
+                </a:solidFill>
+                <a:latin typeface="Times New Roman" panose="02020603050405020304" pitchFamily="18" charset="0"/>
+                <a:cs typeface="Times New Roman" panose="02020603050405020304" pitchFamily="18" charset="0"/>
+              </a:rPr>
+              <a:t>6</a:t>
+            </a:r>
+          </a:p>
+        </p:txBody>
+      </p:sp>
     </p:spTree>
   </p:cSld>
   <p:clrMapOvr>
@@ -24352,6 +24672,48 @@
           </p:txBody>
         </p:sp>
       </p:grpSp>
+      <p:sp>
+        <p:nvSpPr>
+          <p:cNvPr id="7" name="TextBox 6">
+            <a:extLst>
+              <a:ext uri="{FF2B5EF4-FFF2-40B4-BE49-F238E27FC236}">
+                <a16:creationId xmlns:a16="http://schemas.microsoft.com/office/drawing/2014/main" id="{1203A903-7CFF-40BB-7348-0FC3F387F678}"/>
+              </a:ext>
+            </a:extLst>
+          </p:cNvPr>
+          <p:cNvSpPr txBox="1"/>
+          <p:nvPr/>
+        </p:nvSpPr>
+        <p:spPr>
+          <a:xfrm>
+            <a:off x="4304686" y="4561700"/>
+            <a:ext cx="498088" cy="307777"/>
+          </a:xfrm>
+          <a:prstGeom prst="rect">
+            <a:avLst/>
+          </a:prstGeom>
+          <a:noFill/>
+        </p:spPr>
+        <p:txBody>
+          <a:bodyPr wrap="square" rtlCol="0">
+            <a:spAutoFit/>
+          </a:bodyPr>
+          <a:lstStyle/>
+          <a:p>
+            <a:pPr algn="ctr"/>
+            <a:r>
+              <a:rPr lang="en-US" dirty="0">
+                <a:solidFill>
+                  <a:schemeClr val="tx1"/>
+                </a:solidFill>
+                <a:latin typeface="Times New Roman" panose="02020603050405020304" pitchFamily="18" charset="0"/>
+                <a:cs typeface="Times New Roman" panose="02020603050405020304" pitchFamily="18" charset="0"/>
+              </a:rPr>
+              <a:t>7</a:t>
+            </a:r>
+          </a:p>
+        </p:txBody>
+      </p:sp>
     </p:spTree>
     <p:extLst>
       <p:ext uri="{BB962C8B-B14F-4D97-AF65-F5344CB8AC3E}">
@@ -24366,6 +24728,263 @@
 </file>
 
 <file path=ppt/slides/slide8.xml><?xml version="1.0" encoding="utf-8"?>
+<p:sld xmlns:a="http://schemas.openxmlformats.org/drawingml/2006/main" xmlns:r="http://schemas.openxmlformats.org/officeDocument/2006/relationships" xmlns:p="http://schemas.openxmlformats.org/presentationml/2006/main">
+  <p:cSld>
+    <p:spTree>
+      <p:nvGrpSpPr>
+        <p:cNvPr id="1" name="Shape 363"/>
+        <p:cNvGrpSpPr/>
+        <p:nvPr/>
+      </p:nvGrpSpPr>
+      <p:grpSpPr>
+        <a:xfrm>
+          <a:off x="0" y="0"/>
+          <a:ext cx="0" cy="0"/>
+          <a:chOff x="0" y="0"/>
+          <a:chExt cx="0" cy="0"/>
+        </a:xfrm>
+      </p:grpSpPr>
+      <p:sp>
+        <p:nvSpPr>
+          <p:cNvPr id="364" name="Google Shape;364;p36"/>
+          <p:cNvSpPr txBox="1">
+            <a:spLocks noGrp="1"/>
+          </p:cNvSpPr>
+          <p:nvPr>
+            <p:ph type="title"/>
+          </p:nvPr>
+        </p:nvSpPr>
+        <p:spPr>
+          <a:xfrm>
+            <a:off x="4820350" y="2659450"/>
+            <a:ext cx="3185400" cy="841800"/>
+          </a:xfrm>
+          <a:prstGeom prst="rect">
+            <a:avLst/>
+          </a:prstGeom>
+        </p:spPr>
+        <p:txBody>
+          <a:bodyPr spcFirstLastPara="1" wrap="square" lIns="91425" tIns="91425" rIns="91425" bIns="91425" anchor="ctr" anchorCtr="0">
+            <a:noAutofit/>
+          </a:bodyPr>
+          <a:lstStyle/>
+          <a:p>
+            <a:pPr marL="0" lvl="0" indent="0" algn="ctr" rtl="0">
+              <a:spcBef>
+                <a:spcPts val="0"/>
+              </a:spcBef>
+              <a:spcAft>
+                <a:spcPts val="0"/>
+              </a:spcAft>
+              <a:buNone/>
+            </a:pPr>
+            <a:r>
+              <a:rPr lang="en" dirty="0">
+                <a:latin typeface="Times New Roman" panose="02020603050405020304" pitchFamily="18" charset="0"/>
+                <a:cs typeface="Times New Roman" panose="02020603050405020304" pitchFamily="18" charset="0"/>
+              </a:rPr>
+              <a:t>DEMO</a:t>
+            </a:r>
+            <a:endParaRPr dirty="0">
+              <a:latin typeface="Times New Roman" panose="02020603050405020304" pitchFamily="18" charset="0"/>
+              <a:cs typeface="Times New Roman" panose="02020603050405020304" pitchFamily="18" charset="0"/>
+            </a:endParaRPr>
+          </a:p>
+        </p:txBody>
+      </p:sp>
+      <p:sp>
+        <p:nvSpPr>
+          <p:cNvPr id="366" name="Google Shape;366;p36"/>
+          <p:cNvSpPr txBox="1">
+            <a:spLocks noGrp="1"/>
+          </p:cNvSpPr>
+          <p:nvPr>
+            <p:ph type="title" idx="2"/>
+          </p:nvPr>
+        </p:nvSpPr>
+        <p:spPr>
+          <a:xfrm>
+            <a:off x="4820350" y="887025"/>
+            <a:ext cx="3185400" cy="1963500"/>
+          </a:xfrm>
+          <a:prstGeom prst="rect">
+            <a:avLst/>
+          </a:prstGeom>
+        </p:spPr>
+        <p:txBody>
+          <a:bodyPr spcFirstLastPara="1" wrap="square" lIns="91425" tIns="91425" rIns="91425" bIns="91425" anchor="b" anchorCtr="0">
+            <a:noAutofit/>
+          </a:bodyPr>
+          <a:lstStyle/>
+          <a:p>
+            <a:pPr marL="0" lvl="0" indent="0" algn="ctr" rtl="0">
+              <a:spcBef>
+                <a:spcPts val="0"/>
+              </a:spcBef>
+              <a:spcAft>
+                <a:spcPts val="0"/>
+              </a:spcAft>
+              <a:buNone/>
+            </a:pPr>
+            <a:r>
+              <a:rPr lang="en" dirty="0"/>
+              <a:t>04</a:t>
+            </a:r>
+            <a:endParaRPr dirty="0"/>
+          </a:p>
+        </p:txBody>
+      </p:sp>
+      <p:grpSp>
+        <p:nvGrpSpPr>
+          <p:cNvPr id="367" name="Google Shape;367;p36"/>
+          <p:cNvGrpSpPr/>
+          <p:nvPr/>
+        </p:nvGrpSpPr>
+        <p:grpSpPr>
+          <a:xfrm>
+            <a:off x="5196100" y="1779225"/>
+            <a:ext cx="2433900" cy="179100"/>
+            <a:chOff x="5196100" y="2297550"/>
+            <a:chExt cx="2433900" cy="179100"/>
+          </a:xfrm>
+        </p:grpSpPr>
+        <p:sp>
+          <p:nvSpPr>
+            <p:cNvPr id="368" name="Google Shape;368;p36"/>
+            <p:cNvSpPr/>
+            <p:nvPr/>
+          </p:nvSpPr>
+          <p:spPr>
+            <a:xfrm>
+              <a:off x="5196100" y="2297550"/>
+              <a:ext cx="179100" cy="179100"/>
+            </a:xfrm>
+            <a:prstGeom prst="diamond">
+              <a:avLst/>
+            </a:prstGeom>
+            <a:solidFill>
+              <a:schemeClr val="dk1"/>
+            </a:solidFill>
+            <a:ln>
+              <a:noFill/>
+            </a:ln>
+          </p:spPr>
+          <p:txBody>
+            <a:bodyPr spcFirstLastPara="1" wrap="square" lIns="91425" tIns="91425" rIns="91425" bIns="91425" anchor="ctr" anchorCtr="0">
+              <a:noAutofit/>
+            </a:bodyPr>
+            <a:lstStyle/>
+            <a:p>
+              <a:pPr marL="0" lvl="0" indent="0" algn="l" rtl="0">
+                <a:spcBef>
+                  <a:spcPts val="0"/>
+                </a:spcBef>
+                <a:spcAft>
+                  <a:spcPts val="0"/>
+                </a:spcAft>
+                <a:buNone/>
+              </a:pPr>
+              <a:endParaRPr/>
+            </a:p>
+          </p:txBody>
+        </p:sp>
+        <p:sp>
+          <p:nvSpPr>
+            <p:cNvPr id="369" name="Google Shape;369;p36"/>
+            <p:cNvSpPr/>
+            <p:nvPr/>
+          </p:nvSpPr>
+          <p:spPr>
+            <a:xfrm>
+              <a:off x="7450900" y="2297550"/>
+              <a:ext cx="179100" cy="179100"/>
+            </a:xfrm>
+            <a:prstGeom prst="diamond">
+              <a:avLst/>
+            </a:prstGeom>
+            <a:solidFill>
+              <a:schemeClr val="dk1"/>
+            </a:solidFill>
+            <a:ln>
+              <a:noFill/>
+            </a:ln>
+          </p:spPr>
+          <p:txBody>
+            <a:bodyPr spcFirstLastPara="1" wrap="square" lIns="91425" tIns="91425" rIns="91425" bIns="91425" anchor="ctr" anchorCtr="0">
+              <a:noAutofit/>
+            </a:bodyPr>
+            <a:lstStyle/>
+            <a:p>
+              <a:pPr marL="0" lvl="0" indent="0" algn="l" rtl="0">
+                <a:spcBef>
+                  <a:spcPts val="0"/>
+                </a:spcBef>
+                <a:spcAft>
+                  <a:spcPts val="0"/>
+                </a:spcAft>
+                <a:buNone/>
+              </a:pPr>
+              <a:endParaRPr/>
+            </a:p>
+          </p:txBody>
+        </p:sp>
+      </p:grpSp>
+      <p:sp>
+        <p:nvSpPr>
+          <p:cNvPr id="7" name="TextBox 6">
+            <a:extLst>
+              <a:ext uri="{FF2B5EF4-FFF2-40B4-BE49-F238E27FC236}">
+                <a16:creationId xmlns:a16="http://schemas.microsoft.com/office/drawing/2014/main" id="{0CF1A0B3-C53E-7F64-AAAA-08F1D3A19822}"/>
+              </a:ext>
+            </a:extLst>
+          </p:cNvPr>
+          <p:cNvSpPr txBox="1"/>
+          <p:nvPr/>
+        </p:nvSpPr>
+        <p:spPr>
+          <a:xfrm>
+            <a:off x="4304686" y="4561700"/>
+            <a:ext cx="498088" cy="307777"/>
+          </a:xfrm>
+          <a:prstGeom prst="rect">
+            <a:avLst/>
+          </a:prstGeom>
+          <a:noFill/>
+        </p:spPr>
+        <p:txBody>
+          <a:bodyPr wrap="square" rtlCol="0">
+            <a:spAutoFit/>
+          </a:bodyPr>
+          <a:lstStyle/>
+          <a:p>
+            <a:pPr algn="ctr"/>
+            <a:r>
+              <a:rPr lang="en-US" dirty="0">
+                <a:solidFill>
+                  <a:schemeClr val="tx1"/>
+                </a:solidFill>
+                <a:latin typeface="Times New Roman" panose="02020603050405020304" pitchFamily="18" charset="0"/>
+                <a:cs typeface="Times New Roman" panose="02020603050405020304" pitchFamily="18" charset="0"/>
+              </a:rPr>
+              <a:t>8</a:t>
+            </a:r>
+          </a:p>
+        </p:txBody>
+      </p:sp>
+    </p:spTree>
+    <p:extLst>
+      <p:ext uri="{BB962C8B-B14F-4D97-AF65-F5344CB8AC3E}">
+        <p14:creationId xmlns:p14="http://schemas.microsoft.com/office/powerpoint/2010/main" val="457359898"/>
+      </p:ext>
+    </p:extLst>
+  </p:cSld>
+  <p:clrMapOvr>
+    <a:masterClrMapping/>
+  </p:clrMapOvr>
+</p:sld>
+</file>
+
+<file path=ppt/slides/slide9.xml><?xml version="1.0" encoding="utf-8"?>
 <p:sld xmlns:a="http://schemas.openxmlformats.org/drawingml/2006/main" xmlns:r="http://schemas.openxmlformats.org/officeDocument/2006/relationships" xmlns:p="http://schemas.openxmlformats.org/presentationml/2006/main">
   <p:cSld>
     <p:spTree>
@@ -24667,6 +25286,48 @@
               <a:buNone/>
             </a:pPr>
             <a:endParaRPr/>
+          </a:p>
+        </p:txBody>
+      </p:sp>
+      <p:sp>
+        <p:nvSpPr>
+          <p:cNvPr id="9" name="TextBox 8">
+            <a:extLst>
+              <a:ext uri="{FF2B5EF4-FFF2-40B4-BE49-F238E27FC236}">
+                <a16:creationId xmlns:a16="http://schemas.microsoft.com/office/drawing/2014/main" id="{9578B51D-DB72-B30B-200E-9E0C7DB7CD7B}"/>
+              </a:ext>
+            </a:extLst>
+          </p:cNvPr>
+          <p:cNvSpPr txBox="1"/>
+          <p:nvPr/>
+        </p:nvSpPr>
+        <p:spPr>
+          <a:xfrm>
+            <a:off x="4304686" y="4561700"/>
+            <a:ext cx="498088" cy="307777"/>
+          </a:xfrm>
+          <a:prstGeom prst="rect">
+            <a:avLst/>
+          </a:prstGeom>
+          <a:noFill/>
+        </p:spPr>
+        <p:txBody>
+          <a:bodyPr wrap="square" rtlCol="0">
+            <a:spAutoFit/>
+          </a:bodyPr>
+          <a:lstStyle/>
+          <a:p>
+            <a:pPr algn="ctr"/>
+            <a:r>
+              <a:rPr lang="en-US" dirty="0">
+                <a:solidFill>
+                  <a:schemeClr val="tx1"/>
+                </a:solidFill>
+                <a:latin typeface="Times New Roman" panose="02020603050405020304" pitchFamily="18" charset="0"/>
+                <a:cs typeface="Times New Roman" panose="02020603050405020304" pitchFamily="18" charset="0"/>
+              </a:rPr>
+              <a:t>9</a:t>
+            </a:r>
           </a:p>
         </p:txBody>
       </p:sp>
